--- a/PPT/240708.pptx
+++ b/PPT/240708.pptx
@@ -7,6 +7,7 @@
   <p:sldIdLst>
     <p:sldId id="256" r:id="rId2"/>
     <p:sldId id="257" r:id="rId3"/>
+    <p:sldId id="258" r:id="rId4"/>
   </p:sldIdLst>
   <p:sldSz cx="12192000" cy="6858000"/>
   <p:notesSz cx="6858000" cy="9144000"/>
@@ -105,6 +106,11 @@
       </a:defRPr>
     </a:lvl9pPr>
   </p:defaultTextStyle>
+  <p:extLst>
+    <p:ext uri="{EFAFB233-063F-42B5-8137-9DF3F51BA10A}">
+      <p15:sldGuideLst xmlns:p15="http://schemas.microsoft.com/office/powerpoint/2012/main"/>
+    </p:ext>
+  </p:extLst>
 </p:presentation>
 </file>
 
@@ -3459,7 +3465,7 @@
           <a:bodyPr/>
           <a:lstStyle/>
           <a:p>
-            <a:endParaRPr lang="ko-KR" altLang="en-US"/>
+            <a:endParaRPr lang="ko-KR" altLang="en-US" dirty="0"/>
           </a:p>
         </p:txBody>
       </p:sp>
@@ -3467,6 +3473,271 @@
     <p:extLst>
       <p:ext uri="{BB962C8B-B14F-4D97-AF65-F5344CB8AC3E}">
         <p14:creationId xmlns:p14="http://schemas.microsoft.com/office/powerpoint/2010/main" val="3029123394"/>
+      </p:ext>
+    </p:extLst>
+  </p:cSld>
+  <p:clrMapOvr>
+    <a:masterClrMapping/>
+  </p:clrMapOvr>
+</p:sld>
+</file>
+
+<file path=ppt/slides/slide3.xml><?xml version="1.0" encoding="utf-8"?>
+<p:sld xmlns:a="http://schemas.openxmlformats.org/drawingml/2006/main" xmlns:r="http://schemas.openxmlformats.org/officeDocument/2006/relationships" xmlns:p="http://schemas.openxmlformats.org/presentationml/2006/main">
+  <p:cSld>
+    <p:spTree>
+      <p:nvGrpSpPr>
+        <p:cNvPr id="1" name=""/>
+        <p:cNvGrpSpPr/>
+        <p:nvPr/>
+      </p:nvGrpSpPr>
+      <p:grpSpPr>
+        <a:xfrm>
+          <a:off x="0" y="0"/>
+          <a:ext cx="0" cy="0"/>
+          <a:chOff x="0" y="0"/>
+          <a:chExt cx="0" cy="0"/>
+        </a:xfrm>
+      </p:grpSpPr>
+      <p:sp>
+        <p:nvSpPr>
+          <p:cNvPr id="2" name="제목 1">
+            <a:extLst>
+              <a:ext uri="{FF2B5EF4-FFF2-40B4-BE49-F238E27FC236}">
+                <a16:creationId xmlns:a16="http://schemas.microsoft.com/office/drawing/2014/main" id="{01E6E5B4-AFB5-C0E5-FCDF-930C9B9C5753}"/>
+              </a:ext>
+            </a:extLst>
+          </p:cNvPr>
+          <p:cNvSpPr>
+            <a:spLocks noGrp="1"/>
+          </p:cNvSpPr>
+          <p:nvPr>
+            <p:ph type="title"/>
+          </p:nvPr>
+        </p:nvSpPr>
+        <p:spPr/>
+        <p:txBody>
+          <a:bodyPr/>
+          <a:lstStyle/>
+          <a:p>
+            <a:endParaRPr lang="ko-KR" altLang="en-US"/>
+          </a:p>
+        </p:txBody>
+      </p:sp>
+      <p:sp>
+        <p:nvSpPr>
+          <p:cNvPr id="3" name="내용 개체 틀 2">
+            <a:extLst>
+              <a:ext uri="{FF2B5EF4-FFF2-40B4-BE49-F238E27FC236}">
+                <a16:creationId xmlns:a16="http://schemas.microsoft.com/office/drawing/2014/main" id="{F8958413-4169-DFA6-0F8F-4EFF294AADFE}"/>
+              </a:ext>
+            </a:extLst>
+          </p:cNvPr>
+          <p:cNvSpPr>
+            <a:spLocks noGrp="1"/>
+          </p:cNvSpPr>
+          <p:nvPr>
+            <p:ph idx="1"/>
+          </p:nvPr>
+        </p:nvSpPr>
+        <p:spPr/>
+        <p:txBody>
+          <a:bodyPr>
+            <a:normAutofit fontScale="92500"/>
+          </a:bodyPr>
+          <a:lstStyle/>
+          <a:p>
+            <a:r>
+              <a:rPr lang="ko-KR" altLang="en-US" dirty="0" err="1"/>
+              <a:t>랜드스케이프</a:t>
+            </a:r>
+            <a:r>
+              <a:rPr lang="ko-KR" altLang="en-US" dirty="0"/>
+              <a:t> 모드 </a:t>
+            </a:r>
+            <a:r>
+              <a:rPr lang="ko-KR" altLang="en-US" dirty="0" err="1"/>
+              <a:t>를</a:t>
+            </a:r>
+            <a:r>
+              <a:rPr lang="ko-KR" altLang="en-US" dirty="0"/>
+              <a:t> 통한 </a:t>
+            </a:r>
+            <a:r>
+              <a:rPr lang="ko-KR" altLang="en-US" dirty="0" err="1"/>
+              <a:t>랜드스케이프</a:t>
+            </a:r>
+            <a:r>
+              <a:rPr lang="ko-KR" altLang="en-US" dirty="0"/>
+              <a:t> 제작</a:t>
+            </a:r>
+          </a:p>
+          <a:p>
+            <a:r>
+              <a:rPr lang="ko-KR" altLang="en-US" dirty="0" err="1"/>
+              <a:t>랜드스케이프</a:t>
+            </a:r>
+            <a:r>
+              <a:rPr lang="ko-KR" altLang="en-US" dirty="0"/>
+              <a:t> </a:t>
+            </a:r>
+            <a:r>
+              <a:rPr lang="ko-KR" altLang="en-US" dirty="0" err="1"/>
+              <a:t>머티리얼</a:t>
+            </a:r>
+            <a:r>
+              <a:rPr lang="ko-KR" altLang="en-US" dirty="0"/>
+              <a:t> 만들기</a:t>
+            </a:r>
+          </a:p>
+          <a:p>
+            <a:r>
+              <a:rPr lang="ko-KR" altLang="en-US" dirty="0" err="1"/>
+              <a:t>랜드스케이프</a:t>
+            </a:r>
+            <a:r>
+              <a:rPr lang="ko-KR" altLang="en-US" dirty="0"/>
+              <a:t> 레이어 구성 및 페인트 </a:t>
+            </a:r>
+          </a:p>
+          <a:p>
+            <a:r>
+              <a:rPr lang="ko-KR" altLang="en-US" dirty="0" err="1"/>
+              <a:t>랜드스케이프에</a:t>
+            </a:r>
+            <a:r>
+              <a:rPr lang="ko-KR" altLang="en-US" dirty="0"/>
+              <a:t> 피지컬 </a:t>
+            </a:r>
+            <a:r>
+              <a:rPr lang="ko-KR" altLang="en-US" dirty="0" err="1"/>
+              <a:t>머터리얼</a:t>
+            </a:r>
+            <a:r>
+              <a:rPr lang="ko-KR" altLang="en-US" dirty="0"/>
+              <a:t> 부여</a:t>
+            </a:r>
+          </a:p>
+          <a:p>
+            <a:r>
+              <a:rPr lang="ko-KR" altLang="en-US" dirty="0"/>
+              <a:t>피지컬 </a:t>
+            </a:r>
+            <a:r>
+              <a:rPr lang="ko-KR" altLang="en-US" dirty="0" err="1"/>
+              <a:t>머터리얼에</a:t>
+            </a:r>
+            <a:r>
+              <a:rPr lang="ko-KR" altLang="en-US" dirty="0"/>
+              <a:t> 따른 나이아가라 </a:t>
+            </a:r>
+            <a:r>
+              <a:rPr lang="ko-KR" altLang="en-US" dirty="0" err="1"/>
+              <a:t>시스탬</a:t>
+            </a:r>
+            <a:r>
+              <a:rPr lang="ko-KR" altLang="en-US" dirty="0"/>
+              <a:t> 플레이</a:t>
+            </a:r>
+            <a:r>
+              <a:rPr lang="en-US" altLang="ko-KR" dirty="0"/>
+              <a:t>, </a:t>
+            </a:r>
+            <a:r>
+              <a:rPr lang="ko-KR" altLang="en-US" dirty="0"/>
+              <a:t>사운드 재생</a:t>
+            </a:r>
+            <a:r>
+              <a:rPr lang="en-US" altLang="ko-KR" dirty="0"/>
+              <a:t>,</a:t>
+            </a:r>
+          </a:p>
+          <a:p>
+            <a:r>
+              <a:rPr lang="ko-KR" altLang="en-US" dirty="0"/>
+              <a:t>피지컬 </a:t>
+            </a:r>
+            <a:r>
+              <a:rPr lang="ko-KR" altLang="en-US" dirty="0" err="1"/>
+              <a:t>머터리얼을</a:t>
+            </a:r>
+            <a:r>
+              <a:rPr lang="ko-KR" altLang="en-US" dirty="0"/>
+              <a:t> 이용한 </a:t>
+            </a:r>
+            <a:r>
+              <a:rPr lang="ko-KR" altLang="en-US" dirty="0" err="1"/>
+              <a:t>데칼</a:t>
+            </a:r>
+            <a:r>
+              <a:rPr lang="ko-KR" altLang="en-US" dirty="0"/>
+              <a:t> </a:t>
+            </a:r>
+            <a:r>
+              <a:rPr lang="ko-KR" altLang="en-US" dirty="0" err="1"/>
+              <a:t>액터</a:t>
+            </a:r>
+            <a:r>
+              <a:rPr lang="ko-KR" altLang="en-US" dirty="0"/>
+              <a:t> </a:t>
+            </a:r>
+            <a:r>
+              <a:rPr lang="ko-KR" altLang="en-US" dirty="0" err="1"/>
+              <a:t>스폰</a:t>
+            </a:r>
+            <a:r>
+              <a:rPr lang="ko-KR" altLang="en-US" dirty="0"/>
+              <a:t> </a:t>
+            </a:r>
+            <a:r>
+              <a:rPr lang="en-US" altLang="ko-KR" dirty="0"/>
+              <a:t>(</a:t>
+            </a:r>
+            <a:r>
+              <a:rPr lang="ko-KR" altLang="en-US" dirty="0"/>
+              <a:t>발자국 남기기</a:t>
+            </a:r>
+            <a:r>
+              <a:rPr lang="en-US" altLang="ko-KR" dirty="0"/>
+              <a:t>)</a:t>
+            </a:r>
+          </a:p>
+          <a:p>
+            <a:r>
+              <a:rPr lang="ko-KR" altLang="en-US" dirty="0"/>
+              <a:t>워터 플러그인을 통한 바다 및 강 구현</a:t>
+            </a:r>
+          </a:p>
+          <a:p>
+            <a:r>
+              <a:rPr lang="ko-KR" altLang="en-US" dirty="0"/>
+              <a:t>부력 </a:t>
+            </a:r>
+            <a:r>
+              <a:rPr lang="ko-KR" altLang="en-US" dirty="0" err="1"/>
+              <a:t>컴퍼넌트를</a:t>
+            </a:r>
+            <a:r>
+              <a:rPr lang="ko-KR" altLang="en-US" dirty="0"/>
+              <a:t> 이용한 바다에 떠다니는 튜브와 부표 제작</a:t>
+            </a:r>
+          </a:p>
+          <a:p>
+            <a:r>
+              <a:rPr lang="ko-KR" altLang="en-US" dirty="0" err="1"/>
+              <a:t>플루이드</a:t>
+            </a:r>
+            <a:r>
+              <a:rPr lang="ko-KR" altLang="en-US" dirty="0"/>
+              <a:t> 플러그인을 이용하여 차오르는 물 구현</a:t>
+            </a:r>
+          </a:p>
+        </p:txBody>
+      </p:sp>
+    </p:spTree>
+    <p:extLst>
+      <p:ext uri="{BB962C8B-B14F-4D97-AF65-F5344CB8AC3E}">
+        <p14:creationId xmlns:p14="http://schemas.microsoft.com/office/powerpoint/2010/main" val="281592647"/>
       </p:ext>
     </p:extLst>
   </p:cSld>
